--- a/Upwork POC/Upwork POC_Powerpoint.pptx
+++ b/Upwork POC/Upwork POC_Powerpoint.pptx
@@ -261,31 +261,30 @@
           </c:spPr>
           <c:invertIfNegative val="0"/>
           <c:cat>
-            <c:numRef>
+            <c:strRef>
               <c:f>'Charts 1'!$A$2:$A$7</c:f>
-              <c:numCache>
-                <c:formatCode>0</c:formatCode>
+              <c:strCache>
                 <c:ptCount val="6"/>
                 <c:pt idx="0">
-                  <c:v>1990</c:v>
+                  <c:v>FY24A</c:v>
                 </c:pt>
                 <c:pt idx="1">
-                  <c:v>1991</c:v>
+                  <c:v>FY25E</c:v>
                 </c:pt>
                 <c:pt idx="2">
-                  <c:v>1992</c:v>
+                  <c:v>FY26E</c:v>
                 </c:pt>
                 <c:pt idx="3">
-                  <c:v>1993</c:v>
+                  <c:v>FY27E</c:v>
                 </c:pt>
                 <c:pt idx="4">
-                  <c:v>1994</c:v>
+                  <c:v>FY28E</c:v>
                 </c:pt>
                 <c:pt idx="5">
-                  <c:v>1995</c:v>
-                </c:pt>
-              </c:numCache>
-            </c:numRef>
+                  <c:v>FY29E</c:v>
+                </c:pt>
+              </c:strCache>
+            </c:strRef>
           </c:cat>
           <c:val>
             <c:numRef>
@@ -294,29 +293,29 @@
                 <c:formatCode>General</c:formatCode>
                 <c:ptCount val="6"/>
                 <c:pt idx="0">
-                  <c:v>192.4</c:v>
+                  <c:v>287</c:v>
                 </c:pt>
                 <c:pt idx="1">
-                  <c:v>192.80182210251863</c:v>
+                  <c:v>287</c:v>
                 </c:pt>
                 <c:pt idx="2">
-                  <c:v>193.09870747405142</c:v>
+                  <c:v>290</c:v>
                 </c:pt>
                 <c:pt idx="3">
-                  <c:v>193.90947381033382</c:v>
+                  <c:v>300</c:v>
                 </c:pt>
                 <c:pt idx="4">
-                  <c:v>194.03548298730027</c:v>
+                  <c:v>320</c:v>
                 </c:pt>
                 <c:pt idx="5">
-                  <c:v>194.53398143233761</c:v>
+                  <c:v>325</c:v>
                 </c:pt>
               </c:numCache>
             </c:numRef>
           </c:val>
           <c:extLst>
             <c:ext xmlns:c16="http://schemas.microsoft.com/office/drawing/2014/chart" uri="{C3380CC4-5D6E-409C-BE32-E72D297353CC}">
-              <c16:uniqueId val="{00000000-3298-4A6E-AA09-7BBE945F3DBA}"/>
+              <c16:uniqueId val="{00000000-388A-4A94-956E-4C8632461E2F}"/>
             </c:ext>
           </c:extLst>
         </c:ser>
@@ -339,7 +338,7 @@
         </c:scaling>
         <c:delete val="0"/>
         <c:axPos val="b"/>
-        <c:numFmt formatCode="0" sourceLinked="1"/>
+        <c:numFmt formatCode="General" sourceLinked="1"/>
         <c:majorTickMark val="none"/>
         <c:minorTickMark val="none"/>
         <c:tickLblPos val="nextTo"/>
@@ -849,7 +848,7 @@
           <c:smooth val="0"/>
           <c:extLst>
             <c:ext xmlns:c16="http://schemas.microsoft.com/office/drawing/2014/chart" uri="{C3380CC4-5D6E-409C-BE32-E72D297353CC}">
-              <c16:uniqueId val="{00000000-3765-48D3-B3B1-1E40B551D5C1}"/>
+              <c16:uniqueId val="{00000000-DCE5-4C4F-9C2F-4038F91D240B}"/>
             </c:ext>
           </c:extLst>
         </c:ser>
@@ -2972,7 +2971,7 @@
               <a:pPr>
                 <a:defRPr/>
               </a:pPr>
-              <a:t>2/17/2025</a:t>
+              <a:t>2/19/2025</a:t>
             </a:fld>
             <a:endParaRPr lang="en-US" dirty="0"/>
           </a:p>
@@ -3171,7 +3170,7 @@
               <a:pPr>
                 <a:defRPr/>
               </a:pPr>
-              <a:t>2/17/2025</a:t>
+              <a:t>2/19/2025</a:t>
             </a:fld>
             <a:endParaRPr lang="en-US" dirty="0"/>
           </a:p>
@@ -4667,7 +4666,7 @@
       </p:sp>
       <p:graphicFrame>
         <p:nvGraphicFramePr>
-          <p:cNvPr id="5" name="Chart 4">
+          <p:cNvPr id="2" name="Chart 1">
             <a:extLst>
               <a:ext uri="{FF2B5EF4-FFF2-40B4-BE49-F238E27FC236}">
                 <a16:creationId xmlns:a16="http://schemas.microsoft.com/office/drawing/2014/main" id="{352581F1-4743-3AB4-5AF4-24B97FFD9278}"/>
@@ -4680,14 +4679,14 @@
           <p:nvPr>
             <p:extLst>
               <p:ext uri="{D42A27DB-BD31-4B8C-83A1-F6EECF244321}">
-                <p14:modId xmlns:p14="http://schemas.microsoft.com/office/powerpoint/2010/main" val="1520517266"/>
+                <p14:modId xmlns:p14="http://schemas.microsoft.com/office/powerpoint/2010/main" val="3025580585"/>
               </p:ext>
             </p:extLst>
           </p:nvPr>
         </p:nvGraphicFramePr>
         <p:xfrm>
-          <a:off x="609600" y="1295400"/>
-          <a:ext cx="4038600" cy="3733800"/>
+          <a:off x="381000" y="1905000"/>
+          <a:ext cx="3809999" cy="2760930"/>
         </p:xfrm>
         <a:graphic>
           <a:graphicData uri="http://schemas.openxmlformats.org/drawingml/2006/chart">
@@ -4697,7 +4696,7 @@
       </p:graphicFrame>
       <p:graphicFrame>
         <p:nvGraphicFramePr>
-          <p:cNvPr id="10" name="Chart 9">
+          <p:cNvPr id="3" name="Chart 2">
             <a:extLst>
               <a:ext uri="{FF2B5EF4-FFF2-40B4-BE49-F238E27FC236}">
                 <a16:creationId xmlns:a16="http://schemas.microsoft.com/office/drawing/2014/main" id="{EC7F3E3D-9A9D-4089-0309-117157B2AD2D}"/>
@@ -4710,13 +4709,13 @@
           <p:nvPr>
             <p:extLst>
               <p:ext uri="{D42A27DB-BD31-4B8C-83A1-F6EECF244321}">
-                <p14:modId xmlns:p14="http://schemas.microsoft.com/office/powerpoint/2010/main" val="1040915079"/>
+                <p14:modId xmlns:p14="http://schemas.microsoft.com/office/powerpoint/2010/main" val="3507223886"/>
               </p:ext>
             </p:extLst>
           </p:nvPr>
         </p:nvGraphicFramePr>
         <p:xfrm>
-          <a:off x="4531360" y="1905000"/>
+          <a:off x="4267200" y="2057400"/>
           <a:ext cx="4572000" cy="2743200"/>
         </p:xfrm>
         <a:graphic>
